--- a/ClassMaterials/PairProgrammingAndSourceControl/Part4-MilestoneReports.pptx
+++ b/ClassMaterials/PairProgrammingAndSourceControl/Part4-MilestoneReports.pptx
@@ -422,7 +422,7 @@
           <a:p>
             <a:fld id="{28F7D565-3278-47FB-82CB-054B8DCFC962}" type="datetimeFigureOut">
               <a:rPr lang="en-US" smtClean="0"/>
-              <a:t>1/29/2023</a:t>
+              <a:t>2/1/2023</a:t>
             </a:fld>
             <a:endParaRPr lang="en-US"/>
           </a:p>
@@ -689,6 +689,90 @@
 </p:notesMaster>
 </file>
 
+<file path=ppt/notesSlides/notesSlide1.xml><?xml version="1.0" encoding="utf-8"?>
+<p:notes xmlns:a="http://schemas.openxmlformats.org/drawingml/2006/main" xmlns:r="http://schemas.openxmlformats.org/officeDocument/2006/relationships" xmlns:p="http://schemas.openxmlformats.org/presentationml/2006/main">
+  <p:cSld>
+    <p:spTree>
+      <p:nvGrpSpPr>
+        <p:cNvPr id="1" name=""/>
+        <p:cNvGrpSpPr/>
+        <p:nvPr/>
+      </p:nvGrpSpPr>
+      <p:grpSpPr>
+        <a:xfrm>
+          <a:off x="0" y="0"/>
+          <a:ext cx="0" cy="0"/>
+          <a:chOff x="0" y="0"/>
+          <a:chExt cx="0" cy="0"/>
+        </a:xfrm>
+      </p:grpSpPr>
+      <p:sp>
+        <p:nvSpPr>
+          <p:cNvPr id="2" name="Slide Image Placeholder 1"/>
+          <p:cNvSpPr>
+            <a:spLocks noGrp="1" noRot="1" noChangeAspect="1"/>
+          </p:cNvSpPr>
+          <p:nvPr>
+            <p:ph type="sldImg"/>
+          </p:nvPr>
+        </p:nvSpPr>
+        <p:spPr/>
+      </p:sp>
+      <p:sp>
+        <p:nvSpPr>
+          <p:cNvPr id="3" name="Notes Placeholder 2"/>
+          <p:cNvSpPr>
+            <a:spLocks noGrp="1"/>
+          </p:cNvSpPr>
+          <p:nvPr>
+            <p:ph type="body" idx="1"/>
+          </p:nvPr>
+        </p:nvSpPr>
+        <p:spPr/>
+        <p:txBody>
+          <a:bodyPr/>
+          <a:lstStyle/>
+          <a:p>
+            <a:endParaRPr lang="en-US" dirty="0"/>
+          </a:p>
+        </p:txBody>
+      </p:sp>
+      <p:sp>
+        <p:nvSpPr>
+          <p:cNvPr id="4" name="Slide Number Placeholder 3"/>
+          <p:cNvSpPr>
+            <a:spLocks noGrp="1"/>
+          </p:cNvSpPr>
+          <p:nvPr>
+            <p:ph type="sldNum" sz="quarter" idx="5"/>
+          </p:nvPr>
+        </p:nvSpPr>
+        <p:spPr/>
+        <p:txBody>
+          <a:bodyPr/>
+          <a:lstStyle/>
+          <a:p>
+            <a:fld id="{DD5AF30A-2A51-4DF1-9ECD-1F347E8432A3}" type="slidenum">
+              <a:rPr lang="en-US" smtClean="0"/>
+              <a:t>2</a:t>
+            </a:fld>
+            <a:endParaRPr lang="en-US"/>
+          </a:p>
+        </p:txBody>
+      </p:sp>
+    </p:spTree>
+    <p:extLst>
+      <p:ext uri="{BB962C8B-B14F-4D97-AF65-F5344CB8AC3E}">
+        <p14:creationId xmlns:p14="http://schemas.microsoft.com/office/powerpoint/2010/main" val="2540624601"/>
+      </p:ext>
+    </p:extLst>
+  </p:cSld>
+  <p:clrMapOvr>
+    <a:masterClrMapping/>
+  </p:clrMapOvr>
+</p:notes>
+</file>
+
 <file path=ppt/slideLayouts/slideLayout1.xml><?xml version="1.0" encoding="utf-8"?>
 <p:sldLayout xmlns:a="http://schemas.openxmlformats.org/drawingml/2006/main" xmlns:r="http://schemas.openxmlformats.org/officeDocument/2006/relationships" xmlns:p="http://schemas.openxmlformats.org/presentationml/2006/main" type="title" preserve="1">
   <p:cSld name="Title Slide">
@@ -820,7 +904,7 @@
           <a:p>
             <a:fld id="{846CE7D5-CF57-46EF-B807-FDD0502418D4}" type="datetimeFigureOut">
               <a:rPr lang="en-US" smtClean="0"/>
-              <a:t>1/29/2023</a:t>
+              <a:t>2/1/2023</a:t>
             </a:fld>
             <a:endParaRPr lang="en-US"/>
           </a:p>
@@ -990,7 +1074,7 @@
           <a:p>
             <a:fld id="{846CE7D5-CF57-46EF-B807-FDD0502418D4}" type="datetimeFigureOut">
               <a:rPr lang="en-US" smtClean="0"/>
-              <a:t>1/29/2023</a:t>
+              <a:t>2/1/2023</a:t>
             </a:fld>
             <a:endParaRPr lang="en-US"/>
           </a:p>
@@ -1170,7 +1254,7 @@
           <a:p>
             <a:fld id="{846CE7D5-CF57-46EF-B807-FDD0502418D4}" type="datetimeFigureOut">
               <a:rPr lang="en-US" smtClean="0"/>
-              <a:t>1/29/2023</a:t>
+              <a:t>2/1/2023</a:t>
             </a:fld>
             <a:endParaRPr lang="en-US"/>
           </a:p>
@@ -1340,7 +1424,7 @@
           <a:p>
             <a:fld id="{846CE7D5-CF57-46EF-B807-FDD0502418D4}" type="datetimeFigureOut">
               <a:rPr lang="en-US" smtClean="0"/>
-              <a:t>1/29/2023</a:t>
+              <a:t>2/1/2023</a:t>
             </a:fld>
             <a:endParaRPr lang="en-US"/>
           </a:p>
@@ -1586,7 +1670,7 @@
           <a:p>
             <a:fld id="{846CE7D5-CF57-46EF-B807-FDD0502418D4}" type="datetimeFigureOut">
               <a:rPr lang="en-US" smtClean="0"/>
-              <a:t>1/29/2023</a:t>
+              <a:t>2/1/2023</a:t>
             </a:fld>
             <a:endParaRPr lang="en-US"/>
           </a:p>
@@ -1818,7 +1902,7 @@
           <a:p>
             <a:fld id="{846CE7D5-CF57-46EF-B807-FDD0502418D4}" type="datetimeFigureOut">
               <a:rPr lang="en-US" smtClean="0"/>
-              <a:t>1/29/2023</a:t>
+              <a:t>2/1/2023</a:t>
             </a:fld>
             <a:endParaRPr lang="en-US"/>
           </a:p>
@@ -2185,7 +2269,7 @@
           <a:p>
             <a:fld id="{846CE7D5-CF57-46EF-B807-FDD0502418D4}" type="datetimeFigureOut">
               <a:rPr lang="en-US" smtClean="0"/>
-              <a:t>1/29/2023</a:t>
+              <a:t>2/1/2023</a:t>
             </a:fld>
             <a:endParaRPr lang="en-US"/>
           </a:p>
@@ -2303,7 +2387,7 @@
           <a:p>
             <a:fld id="{846CE7D5-CF57-46EF-B807-FDD0502418D4}" type="datetimeFigureOut">
               <a:rPr lang="en-US" smtClean="0"/>
-              <a:t>1/29/2023</a:t>
+              <a:t>2/1/2023</a:t>
             </a:fld>
             <a:endParaRPr lang="en-US"/>
           </a:p>
@@ -2398,7 +2482,7 @@
           <a:p>
             <a:fld id="{846CE7D5-CF57-46EF-B807-FDD0502418D4}" type="datetimeFigureOut">
               <a:rPr lang="en-US" smtClean="0"/>
-              <a:t>1/29/2023</a:t>
+              <a:t>2/1/2023</a:t>
             </a:fld>
             <a:endParaRPr lang="en-US"/>
           </a:p>
@@ -2675,7 +2759,7 @@
           <a:p>
             <a:fld id="{846CE7D5-CF57-46EF-B807-FDD0502418D4}" type="datetimeFigureOut">
               <a:rPr lang="en-US" smtClean="0"/>
-              <a:t>1/29/2023</a:t>
+              <a:t>2/1/2023</a:t>
             </a:fld>
             <a:endParaRPr lang="en-US"/>
           </a:p>
@@ -2932,7 +3016,7 @@
           <a:p>
             <a:fld id="{846CE7D5-CF57-46EF-B807-FDD0502418D4}" type="datetimeFigureOut">
               <a:rPr lang="en-US" smtClean="0"/>
-              <a:t>1/29/2023</a:t>
+              <a:t>2/1/2023</a:t>
             </a:fld>
             <a:endParaRPr lang="en-US"/>
           </a:p>
@@ -3145,7 +3229,7 @@
           <a:p>
             <a:fld id="{846CE7D5-CF57-46EF-B807-FDD0502418D4}" type="datetimeFigureOut">
               <a:rPr lang="en-US" smtClean="0"/>
-              <a:t>1/29/2023</a:t>
+              <a:t>2/1/2023</a:t>
             </a:fld>
             <a:endParaRPr lang="en-US"/>
           </a:p>
@@ -3744,6 +3828,7 @@
                 <a:solidFill>
                   <a:srgbClr val="0563C1"/>
                 </a:solidFill>
+                <a:hlinkClick r:id="rId3"/>
               </a:rPr>
               <a:t>https://docs.google.com/document/d/1tsipgXLDyp_IEPoPnmeA7I2aA2Ev9VLnmEqVDER1DHA/edit</a:t>
             </a:r>
@@ -3772,7 +3857,7 @@
           <p:nvPr/>
         </p:nvPicPr>
         <p:blipFill>
-          <a:blip r:embed="rId2"/>
+          <a:blip r:embed="rId4"/>
           <a:stretch>
             <a:fillRect/>
           </a:stretch>
@@ -3807,7 +3892,7 @@
           <p:nvPr/>
         </p:nvPicPr>
         <p:blipFill>
-          <a:blip r:embed="rId3"/>
+          <a:blip r:embed="rId5"/>
           <a:stretch>
             <a:fillRect/>
           </a:stretch>
@@ -3832,7 +3917,7 @@
       </p:pic>
       <mc:AlternateContent xmlns:mc="http://schemas.openxmlformats.org/markup-compatibility/2006" xmlns:p14="http://schemas.microsoft.com/office/powerpoint/2010/main">
         <mc:Choice Requires="p14">
-          <p:contentPart p14:bwMode="auto" r:id="rId4">
+          <p:contentPart p14:bwMode="auto" r:id="rId6">
             <p14:nvContentPartPr>
               <p14:cNvPr id="12" name="Ink 11">
                 <a:extLst>
@@ -3864,7 +3949,7 @@
               <p:nvPr/>
             </p:nvPicPr>
             <p:blipFill>
-              <a:blip r:embed="rId5"/>
+              <a:blip r:embed="rId7"/>
               <a:stretch>
                 <a:fillRect/>
               </a:stretch>
@@ -3883,7 +3968,7 @@
       </mc:AlternateContent>
       <mc:AlternateContent xmlns:mc="http://schemas.openxmlformats.org/markup-compatibility/2006" xmlns:p14="http://schemas.microsoft.com/office/powerpoint/2010/main">
         <mc:Choice Requires="p14">
-          <p:contentPart p14:bwMode="auto" r:id="rId6">
+          <p:contentPart p14:bwMode="auto" r:id="rId8">
             <p14:nvContentPartPr>
               <p14:cNvPr id="17" name="Ink 16">
                 <a:extLst>
@@ -3915,7 +4000,7 @@
               <p:nvPr/>
             </p:nvPicPr>
             <p:blipFill>
-              <a:blip r:embed="rId7"/>
+              <a:blip r:embed="rId9"/>
               <a:stretch>
                 <a:fillRect/>
               </a:stretch>
@@ -3934,7 +4019,7 @@
       </mc:AlternateContent>
       <mc:AlternateContent xmlns:mc="http://schemas.openxmlformats.org/markup-compatibility/2006" xmlns:p14="http://schemas.microsoft.com/office/powerpoint/2010/main">
         <mc:Choice Requires="p14">
-          <p:contentPart p14:bwMode="auto" r:id="rId8">
+          <p:contentPart p14:bwMode="auto" r:id="rId10">
             <p14:nvContentPartPr>
               <p14:cNvPr id="18" name="Ink 17">
                 <a:extLst>
@@ -3966,7 +4051,7 @@
               <p:nvPr/>
             </p:nvPicPr>
             <p:blipFill>
-              <a:blip r:embed="rId9"/>
+              <a:blip r:embed="rId11"/>
               <a:stretch>
                 <a:fillRect/>
               </a:stretch>
@@ -3985,7 +4070,7 @@
       </mc:AlternateContent>
       <mc:AlternateContent xmlns:mc="http://schemas.openxmlformats.org/markup-compatibility/2006" xmlns:p14="http://schemas.microsoft.com/office/powerpoint/2010/main">
         <mc:Choice Requires="p14">
-          <p:contentPart p14:bwMode="auto" r:id="rId10">
+          <p:contentPart p14:bwMode="auto" r:id="rId12">
             <p14:nvContentPartPr>
               <p14:cNvPr id="19" name="Ink 18">
                 <a:extLst>
@@ -4017,7 +4102,7 @@
               <p:nvPr/>
             </p:nvPicPr>
             <p:blipFill>
-              <a:blip r:embed="rId11"/>
+              <a:blip r:embed="rId13"/>
               <a:stretch>
                 <a:fillRect/>
               </a:stretch>
@@ -4036,7 +4121,7 @@
       </mc:AlternateContent>
       <mc:AlternateContent xmlns:mc="http://schemas.openxmlformats.org/markup-compatibility/2006" xmlns:p14="http://schemas.microsoft.com/office/powerpoint/2010/main">
         <mc:Choice Requires="p14">
-          <p:contentPart p14:bwMode="auto" r:id="rId12">
+          <p:contentPart p14:bwMode="auto" r:id="rId14">
             <p14:nvContentPartPr>
               <p14:cNvPr id="21" name="Ink 20">
                 <a:extLst>
@@ -4068,7 +4153,7 @@
               <p:nvPr/>
             </p:nvPicPr>
             <p:blipFill>
-              <a:blip r:embed="rId13"/>
+              <a:blip r:embed="rId15"/>
               <a:stretch>
                 <a:fillRect/>
               </a:stretch>
@@ -4087,7 +4172,7 @@
       </mc:AlternateContent>
       <mc:AlternateContent xmlns:mc="http://schemas.openxmlformats.org/markup-compatibility/2006" xmlns:p14="http://schemas.microsoft.com/office/powerpoint/2010/main">
         <mc:Choice Requires="p14">
-          <p:contentPart p14:bwMode="auto" r:id="rId14">
+          <p:contentPart p14:bwMode="auto" r:id="rId16">
             <p14:nvContentPartPr>
               <p14:cNvPr id="22" name="Ink 21">
                 <a:extLst>
@@ -4119,7 +4204,7 @@
               <p:nvPr/>
             </p:nvPicPr>
             <p:blipFill>
-              <a:blip r:embed="rId15"/>
+              <a:blip r:embed="rId17"/>
               <a:stretch>
                 <a:fillRect/>
               </a:stretch>
@@ -4138,7 +4223,7 @@
       </mc:AlternateContent>
       <mc:AlternateContent xmlns:mc="http://schemas.openxmlformats.org/markup-compatibility/2006" xmlns:p14="http://schemas.microsoft.com/office/powerpoint/2010/main">
         <mc:Choice Requires="p14">
-          <p:contentPart p14:bwMode="auto" r:id="rId16">
+          <p:contentPart p14:bwMode="auto" r:id="rId18">
             <p14:nvContentPartPr>
               <p14:cNvPr id="23" name="Ink 22">
                 <a:extLst>
@@ -4170,7 +4255,7 @@
               <p:nvPr/>
             </p:nvPicPr>
             <p:blipFill>
-              <a:blip r:embed="rId17"/>
+              <a:blip r:embed="rId19"/>
               <a:stretch>
                 <a:fillRect/>
               </a:stretch>

--- a/ClassMaterials/PairProgrammingAndSourceControl/Part4-MilestoneReports.pptx
+++ b/ClassMaterials/PairProgrammingAndSourceControl/Part4-MilestoneReports.pptx
@@ -5,13 +5,15 @@
     <p:sldMasterId id="2147483660" r:id="rId1"/>
   </p:sldMasterIdLst>
   <p:notesMasterIdLst>
-    <p:notesMasterId r:id="rId6"/>
+    <p:notesMasterId r:id="rId8"/>
   </p:notesMasterIdLst>
   <p:sldIdLst>
     <p:sldId id="353" r:id="rId2"/>
     <p:sldId id="316" r:id="rId3"/>
     <p:sldId id="349" r:id="rId4"/>
     <p:sldId id="350" r:id="rId5"/>
+    <p:sldId id="354" r:id="rId6"/>
+    <p:sldId id="355" r:id="rId7"/>
   </p:sldIdLst>
   <p:sldSz cx="12192000" cy="6858000"/>
   <p:notesSz cx="6858000" cy="9144000"/>
@@ -119,6 +121,8 @@
             <p14:sldId id="316"/>
             <p14:sldId id="349"/>
             <p14:sldId id="350"/>
+            <p14:sldId id="354"/>
+            <p14:sldId id="355"/>
           </p14:sldIdLst>
         </p14:section>
       </p14:sectionLst>
@@ -340,6 +344,34 @@
 </inkml:ink>
 </file>
 
+<file path=ppt/ink/ink8.xml><?xml version="1.0" encoding="utf-8"?>
+<inkml:ink xmlns:inkml="http://www.w3.org/2003/InkML">
+  <inkml:definitions>
+    <inkml:context xml:id="ctx0">
+      <inkml:inkSource xml:id="inkSrc0">
+        <inkml:traceFormat>
+          <inkml:channel name="X" type="integer" min="-2.14748E9" max="2.14748E9" units="cm"/>
+          <inkml:channel name="Y" type="integer" min="-2.14748E9" max="2.14748E9" units="cm"/>
+          <inkml:channel name="F" type="integer" max="32767" units="dev"/>
+        </inkml:traceFormat>
+        <inkml:channelProperties>
+          <inkml:channelProperty channel="X" name="resolution" value="1000" units="1/cm"/>
+          <inkml:channelProperty channel="Y" name="resolution" value="1000" units="1/cm"/>
+          <inkml:channelProperty channel="F" name="resolution" value="0" units="1/dev"/>
+        </inkml:channelProperties>
+      </inkml:inkSource>
+      <inkml:timestamp xml:id="ts0" timeString="2025-05-04T17:40:40.752"/>
+    </inkml:context>
+    <inkml:brush xml:id="br0">
+      <inkml:brushProperty name="width" value="0.1" units="cm"/>
+      <inkml:brushProperty name="height" value="0.1" units="cm"/>
+      <inkml:brushProperty name="color" value="#E71224"/>
+    </inkml:brush>
+  </inkml:definitions>
+  <inkml:trace contextRef="#ctx0" brushRef="#br0">0 0 24575,'3067'0'0,"-2896"6"0,0 7 0,312 65 0,-361-57 0,1-6 0,138-1 0,-219-13 0,342 30 0,-178-14 0,9 1 0,864-14 0,-547-7 0,-52 30 0,-328-17 0,154-9 0,-126-4 0,-79 3 0,23-2 0,0 5 0,145 23 0,-58 9 0,2-9 0,299-2 0,1766-30 0,-1267 8 0,-282 20 0,-144-7-1365,-520-15-5461</inkml:trace>
+</inkml:ink>
+</file>
+
 <file path=ppt/notesMasters/notesMaster1.xml><?xml version="1.0" encoding="utf-8"?>
 <p:notesMaster xmlns:a="http://schemas.openxmlformats.org/drawingml/2006/main" xmlns:r="http://schemas.openxmlformats.org/officeDocument/2006/relationships" xmlns:p="http://schemas.openxmlformats.org/presentationml/2006/main">
   <p:cSld>
@@ -422,7 +454,7 @@
           <a:p>
             <a:fld id="{28F7D565-3278-47FB-82CB-054B8DCFC962}" type="datetimeFigureOut">
               <a:rPr lang="en-US" smtClean="0"/>
-              <a:t>2/1/2023</a:t>
+              <a:t>5/4/2025</a:t>
             </a:fld>
             <a:endParaRPr lang="en-US"/>
           </a:p>
@@ -904,7 +936,7 @@
           <a:p>
             <a:fld id="{846CE7D5-CF57-46EF-B807-FDD0502418D4}" type="datetimeFigureOut">
               <a:rPr lang="en-US" smtClean="0"/>
-              <a:t>2/1/2023</a:t>
+              <a:t>5/4/2025</a:t>
             </a:fld>
             <a:endParaRPr lang="en-US"/>
           </a:p>
@@ -1074,7 +1106,7 @@
           <a:p>
             <a:fld id="{846CE7D5-CF57-46EF-B807-FDD0502418D4}" type="datetimeFigureOut">
               <a:rPr lang="en-US" smtClean="0"/>
-              <a:t>2/1/2023</a:t>
+              <a:t>5/4/2025</a:t>
             </a:fld>
             <a:endParaRPr lang="en-US"/>
           </a:p>
@@ -1254,7 +1286,7 @@
           <a:p>
             <a:fld id="{846CE7D5-CF57-46EF-B807-FDD0502418D4}" type="datetimeFigureOut">
               <a:rPr lang="en-US" smtClean="0"/>
-              <a:t>2/1/2023</a:t>
+              <a:t>5/4/2025</a:t>
             </a:fld>
             <a:endParaRPr lang="en-US"/>
           </a:p>
@@ -1424,7 +1456,7 @@
           <a:p>
             <a:fld id="{846CE7D5-CF57-46EF-B807-FDD0502418D4}" type="datetimeFigureOut">
               <a:rPr lang="en-US" smtClean="0"/>
-              <a:t>2/1/2023</a:t>
+              <a:t>5/4/2025</a:t>
             </a:fld>
             <a:endParaRPr lang="en-US"/>
           </a:p>
@@ -1670,7 +1702,7 @@
           <a:p>
             <a:fld id="{846CE7D5-CF57-46EF-B807-FDD0502418D4}" type="datetimeFigureOut">
               <a:rPr lang="en-US" smtClean="0"/>
-              <a:t>2/1/2023</a:t>
+              <a:t>5/4/2025</a:t>
             </a:fld>
             <a:endParaRPr lang="en-US"/>
           </a:p>
@@ -1902,7 +1934,7 @@
           <a:p>
             <a:fld id="{846CE7D5-CF57-46EF-B807-FDD0502418D4}" type="datetimeFigureOut">
               <a:rPr lang="en-US" smtClean="0"/>
-              <a:t>2/1/2023</a:t>
+              <a:t>5/4/2025</a:t>
             </a:fld>
             <a:endParaRPr lang="en-US"/>
           </a:p>
@@ -2269,7 +2301,7 @@
           <a:p>
             <a:fld id="{846CE7D5-CF57-46EF-B807-FDD0502418D4}" type="datetimeFigureOut">
               <a:rPr lang="en-US" smtClean="0"/>
-              <a:t>2/1/2023</a:t>
+              <a:t>5/4/2025</a:t>
             </a:fld>
             <a:endParaRPr lang="en-US"/>
           </a:p>
@@ -2387,7 +2419,7 @@
           <a:p>
             <a:fld id="{846CE7D5-CF57-46EF-B807-FDD0502418D4}" type="datetimeFigureOut">
               <a:rPr lang="en-US" smtClean="0"/>
-              <a:t>2/1/2023</a:t>
+              <a:t>5/4/2025</a:t>
             </a:fld>
             <a:endParaRPr lang="en-US"/>
           </a:p>
@@ -2482,7 +2514,7 @@
           <a:p>
             <a:fld id="{846CE7D5-CF57-46EF-B807-FDD0502418D4}" type="datetimeFigureOut">
               <a:rPr lang="en-US" smtClean="0"/>
-              <a:t>2/1/2023</a:t>
+              <a:t>5/4/2025</a:t>
             </a:fld>
             <a:endParaRPr lang="en-US"/>
           </a:p>
@@ -2759,7 +2791,7 @@
           <a:p>
             <a:fld id="{846CE7D5-CF57-46EF-B807-FDD0502418D4}" type="datetimeFigureOut">
               <a:rPr lang="en-US" smtClean="0"/>
-              <a:t>2/1/2023</a:t>
+              <a:t>5/4/2025</a:t>
             </a:fld>
             <a:endParaRPr lang="en-US"/>
           </a:p>
@@ -3016,7 +3048,7 @@
           <a:p>
             <a:fld id="{846CE7D5-CF57-46EF-B807-FDD0502418D4}" type="datetimeFigureOut">
               <a:rPr lang="en-US" smtClean="0"/>
-              <a:t>2/1/2023</a:t>
+              <a:t>5/4/2025</a:t>
             </a:fld>
             <a:endParaRPr lang="en-US"/>
           </a:p>
@@ -3229,7 +3261,7 @@
           <a:p>
             <a:fld id="{846CE7D5-CF57-46EF-B807-FDD0502418D4}" type="datetimeFigureOut">
               <a:rPr lang="en-US" smtClean="0"/>
-              <a:t>2/1/2023</a:t>
+              <a:t>5/4/2025</a:t>
             </a:fld>
             <a:endParaRPr lang="en-US"/>
           </a:p>
@@ -3679,7 +3711,7 @@
           <a:p>
             <a:r>
               <a:rPr lang="en-US" strike="sngStrike" dirty="0"/>
-              <a:t>Driver, Navigator, Reviewer Role (Teams of 3)</a:t>
+              <a:t>Tester, Reviewer, Navigator, Driver Roles (Teams of 3-4)</a:t>
             </a:r>
           </a:p>
           <a:p>
@@ -4354,7 +4386,7 @@
         </p:spPr>
         <p:txBody>
           <a:bodyPr>
-            <a:normAutofit fontScale="92500" lnSpcReduction="10000"/>
+            <a:normAutofit fontScale="85000" lnSpcReduction="20000"/>
           </a:bodyPr>
           <a:lstStyle/>
           <a:p>
@@ -4520,7 +4552,6 @@
               </a:rPr>
               <a:t>8. Meeting Minutes - Whole Team</a:t>
             </a:r>
-            <a:endParaRPr lang="en-US" sz="3600" b="1" dirty="0"/>
           </a:p>
           <a:p>
             <a:pPr marL="0" indent="0">
@@ -4631,11 +4662,46 @@
               </a:rPr>
               <a:t>If you are a team of size two you do NOT have to complete this section.</a:t>
             </a:r>
-            <a:endParaRPr lang="en-US" sz="2400" dirty="0">
-              <a:highlight>
-                <a:srgbClr val="FFFF00"/>
-              </a:highlight>
-            </a:endParaRPr>
+          </a:p>
+          <a:p>
+            <a:pPr marL="0" indent="0">
+              <a:lnSpc>
+                <a:spcPct val="120000"/>
+              </a:lnSpc>
+              <a:spcBef>
+                <a:spcPts val="0"/>
+              </a:spcBef>
+              <a:buNone/>
+            </a:pPr>
+            <a:r>
+              <a:rPr lang="en-US" sz="2400" b="1" dirty="0">
+                <a:solidFill>
+                  <a:srgbClr val="000000"/>
+                </a:solidFill>
+                <a:latin typeface="Arial" panose="020B0604020202020204" pitchFamily="34" charset="0"/>
+              </a:rPr>
+              <a:t>9. Testing</a:t>
+            </a:r>
+          </a:p>
+          <a:p>
+            <a:pPr marL="0" indent="0">
+              <a:lnSpc>
+                <a:spcPct val="120000"/>
+              </a:lnSpc>
+              <a:spcBef>
+                <a:spcPts val="0"/>
+              </a:spcBef>
+              <a:buNone/>
+            </a:pPr>
+            <a:r>
+              <a:rPr lang="en-US" sz="2400" b="1" dirty="0">
+                <a:solidFill>
+                  <a:srgbClr val="000000"/>
+                </a:solidFill>
+                <a:latin typeface="Arial" panose="020B0604020202020204" pitchFamily="34" charset="0"/>
+              </a:rPr>
+              <a:t>10. Optional (BONUS) Video Demo</a:t>
+            </a:r>
           </a:p>
         </p:txBody>
       </p:sp>
@@ -4731,6 +4797,242 @@
     <p:extLst>
       <p:ext uri="{BB962C8B-B14F-4D97-AF65-F5344CB8AC3E}">
         <p14:creationId xmlns:p14="http://schemas.microsoft.com/office/powerpoint/2010/main" val="3465928054"/>
+      </p:ext>
+    </p:extLst>
+  </p:cSld>
+  <p:clrMapOvr>
+    <a:masterClrMapping/>
+  </p:clrMapOvr>
+</p:sld>
+</file>
+
+<file path=ppt/slides/slide5.xml><?xml version="1.0" encoding="utf-8"?>
+<p:sld xmlns:a="http://schemas.openxmlformats.org/drawingml/2006/main" xmlns:r="http://schemas.openxmlformats.org/officeDocument/2006/relationships" xmlns:p="http://schemas.openxmlformats.org/presentationml/2006/main">
+  <p:cSld>
+    <p:spTree>
+      <p:nvGrpSpPr>
+        <p:cNvPr id="1" name=""/>
+        <p:cNvGrpSpPr/>
+        <p:nvPr/>
+      </p:nvGrpSpPr>
+      <p:grpSpPr>
+        <a:xfrm>
+          <a:off x="0" y="0"/>
+          <a:ext cx="0" cy="0"/>
+          <a:chOff x="0" y="0"/>
+          <a:chExt cx="0" cy="0"/>
+        </a:xfrm>
+      </p:grpSpPr>
+      <p:sp>
+        <p:nvSpPr>
+          <p:cNvPr id="2" name="Title 1">
+            <a:extLst>
+              <a:ext uri="{FF2B5EF4-FFF2-40B4-BE49-F238E27FC236}">
+                <a16:creationId xmlns:a16="http://schemas.microsoft.com/office/drawing/2014/main" id="{68017277-6249-CE14-A9D8-112F256D80BE}"/>
+              </a:ext>
+            </a:extLst>
+          </p:cNvPr>
+          <p:cNvSpPr>
+            <a:spLocks noGrp="1"/>
+          </p:cNvSpPr>
+          <p:nvPr>
+            <p:ph type="title"/>
+          </p:nvPr>
+        </p:nvSpPr>
+        <p:spPr/>
+        <p:txBody>
+          <a:bodyPr/>
+          <a:lstStyle/>
+          <a:p>
+            <a:r>
+              <a:rPr lang="en-US" dirty="0"/>
+              <a:t>Testing for Teams of 2 or 3 Member</a:t>
+            </a:r>
+          </a:p>
+        </p:txBody>
+      </p:sp>
+      <p:pic>
+        <p:nvPicPr>
+          <p:cNvPr id="5" name="Picture 4">
+            <a:extLst>
+              <a:ext uri="{FF2B5EF4-FFF2-40B4-BE49-F238E27FC236}">
+                <a16:creationId xmlns:a16="http://schemas.microsoft.com/office/drawing/2014/main" id="{F0942797-1A25-92F1-A649-848158DA2DF0}"/>
+              </a:ext>
+            </a:extLst>
+          </p:cNvPr>
+          <p:cNvPicPr>
+            <a:picLocks noChangeAspect="1"/>
+          </p:cNvPicPr>
+          <p:nvPr/>
+        </p:nvPicPr>
+        <p:blipFill>
+          <a:blip r:embed="rId2"/>
+          <a:srcRect b="65817"/>
+          <a:stretch/>
+        </p:blipFill>
+        <p:spPr>
+          <a:xfrm>
+            <a:off x="838200" y="1517282"/>
+            <a:ext cx="12844689" cy="5076701"/>
+          </a:xfrm>
+          <a:prstGeom prst="rect">
+            <a:avLst/>
+          </a:prstGeom>
+        </p:spPr>
+      </p:pic>
+      <mc:AlternateContent xmlns:mc="http://schemas.openxmlformats.org/markup-compatibility/2006">
+        <mc:Choice xmlns:p14="http://schemas.microsoft.com/office/powerpoint/2010/main" Requires="p14">
+          <p:contentPart p14:bwMode="auto" r:id="rId3">
+            <p14:nvContentPartPr>
+              <p14:cNvPr id="6" name="Ink 5">
+                <a:extLst>
+                  <a:ext uri="{FF2B5EF4-FFF2-40B4-BE49-F238E27FC236}">
+                    <a16:creationId xmlns:a16="http://schemas.microsoft.com/office/drawing/2014/main" id="{E87BE4C3-D0F2-FB72-3EC2-690190E325F4}"/>
+                  </a:ext>
+                </a:extLst>
+              </p14:cNvPr>
+              <p14:cNvContentPartPr/>
+              <p14:nvPr/>
+            </p14:nvContentPartPr>
+            <p14:xfrm>
+              <a:off x="5937130" y="3052192"/>
+              <a:ext cx="5110920" cy="142560"/>
+            </p14:xfrm>
+          </p:contentPart>
+        </mc:Choice>
+        <mc:Fallback>
+          <p:pic>
+            <p:nvPicPr>
+              <p:cNvPr id="6" name="Ink 5">
+                <a:extLst>
+                  <a:ext uri="{FF2B5EF4-FFF2-40B4-BE49-F238E27FC236}">
+                    <a16:creationId xmlns:a16="http://schemas.microsoft.com/office/drawing/2014/main" id="{E87BE4C3-D0F2-FB72-3EC2-690190E325F4}"/>
+                  </a:ext>
+                </a:extLst>
+              </p:cNvPr>
+              <p:cNvPicPr/>
+              <p:nvPr/>
+            </p:nvPicPr>
+            <p:blipFill>
+              <a:blip r:embed="rId4"/>
+              <a:stretch>
+                <a:fillRect/>
+              </a:stretch>
+            </p:blipFill>
+            <p:spPr>
+              <a:xfrm>
+                <a:off x="5919130" y="3034192"/>
+                <a:ext cx="5146560" cy="178200"/>
+              </a:xfrm>
+              <a:prstGeom prst="rect">
+                <a:avLst/>
+              </a:prstGeom>
+            </p:spPr>
+          </p:pic>
+        </mc:Fallback>
+      </mc:AlternateContent>
+    </p:spTree>
+    <p:extLst>
+      <p:ext uri="{BB962C8B-B14F-4D97-AF65-F5344CB8AC3E}">
+        <p14:creationId xmlns:p14="http://schemas.microsoft.com/office/powerpoint/2010/main" val="3547105683"/>
+      </p:ext>
+    </p:extLst>
+  </p:cSld>
+  <p:clrMapOvr>
+    <a:masterClrMapping/>
+  </p:clrMapOvr>
+</p:sld>
+</file>
+
+<file path=ppt/slides/slide6.xml><?xml version="1.0" encoding="utf-8"?>
+<p:sld xmlns:a="http://schemas.openxmlformats.org/drawingml/2006/main" xmlns:r="http://schemas.openxmlformats.org/officeDocument/2006/relationships" xmlns:p="http://schemas.openxmlformats.org/presentationml/2006/main">
+  <p:cSld>
+    <p:spTree>
+      <p:nvGrpSpPr>
+        <p:cNvPr id="1" name="">
+          <a:extLst>
+            <a:ext uri="{FF2B5EF4-FFF2-40B4-BE49-F238E27FC236}">
+              <a16:creationId xmlns:a16="http://schemas.microsoft.com/office/drawing/2014/main" id="{67A33ADA-F9FD-49A0-F45A-0454EB25806C}"/>
+            </a:ext>
+          </a:extLst>
+        </p:cNvPr>
+        <p:cNvGrpSpPr/>
+        <p:nvPr/>
+      </p:nvGrpSpPr>
+      <p:grpSpPr>
+        <a:xfrm>
+          <a:off x="0" y="0"/>
+          <a:ext cx="0" cy="0"/>
+          <a:chOff x="0" y="0"/>
+          <a:chExt cx="0" cy="0"/>
+        </a:xfrm>
+      </p:grpSpPr>
+      <p:pic>
+        <p:nvPicPr>
+          <p:cNvPr id="5" name="Picture 4">
+            <a:extLst>
+              <a:ext uri="{FF2B5EF4-FFF2-40B4-BE49-F238E27FC236}">
+                <a16:creationId xmlns:a16="http://schemas.microsoft.com/office/drawing/2014/main" id="{2D787D4E-0CFB-965D-C21A-08340CFA5E92}"/>
+              </a:ext>
+            </a:extLst>
+          </p:cNvPr>
+          <p:cNvPicPr>
+            <a:picLocks noChangeAspect="1"/>
+          </p:cNvPicPr>
+          <p:nvPr/>
+        </p:nvPicPr>
+        <p:blipFill>
+          <a:blip r:embed="rId2"/>
+          <a:srcRect t="35025"/>
+          <a:stretch/>
+        </p:blipFill>
+        <p:spPr>
+          <a:xfrm>
+            <a:off x="1108656" y="1034180"/>
+            <a:ext cx="7752008" cy="5823820"/>
+          </a:xfrm>
+          <a:prstGeom prst="rect">
+            <a:avLst/>
+          </a:prstGeom>
+        </p:spPr>
+      </p:pic>
+      <p:sp>
+        <p:nvSpPr>
+          <p:cNvPr id="4" name="Title 1">
+            <a:extLst>
+              <a:ext uri="{FF2B5EF4-FFF2-40B4-BE49-F238E27FC236}">
+                <a16:creationId xmlns:a16="http://schemas.microsoft.com/office/drawing/2014/main" id="{A6288944-80F0-EF42-26A9-1C4814F6661D}"/>
+              </a:ext>
+            </a:extLst>
+          </p:cNvPr>
+          <p:cNvSpPr>
+            <a:spLocks noGrp="1"/>
+          </p:cNvSpPr>
+          <p:nvPr>
+            <p:ph type="title"/>
+          </p:nvPr>
+        </p:nvSpPr>
+        <p:spPr>
+          <a:xfrm>
+            <a:off x="838200" y="31634"/>
+            <a:ext cx="10515600" cy="1325563"/>
+          </a:xfrm>
+        </p:spPr>
+        <p:txBody>
+          <a:bodyPr/>
+          <a:lstStyle/>
+          <a:p>
+            <a:r>
+              <a:rPr lang="en-US" dirty="0"/>
+              <a:t>Testing for Teams with 4 Members</a:t>
+            </a:r>
+          </a:p>
+        </p:txBody>
+      </p:sp>
+    </p:spTree>
+    <p:extLst>
+      <p:ext uri="{BB962C8B-B14F-4D97-AF65-F5344CB8AC3E}">
+        <p14:creationId xmlns:p14="http://schemas.microsoft.com/office/powerpoint/2010/main" val="2336171291"/>
       </p:ext>
     </p:extLst>
   </p:cSld>
